--- a/Projet/diagramme de classe.pptx
+++ b/Projet/diagramme de classe.pptx
@@ -4048,10 +4048,9 @@
           <a:p>
             <a:pPr algn="ctr"/>
             <a:r>
-              <a:rPr lang="fr-FR"/>
+              <a:rPr lang="fr-FR" dirty="0"/>
               <a:t>Arbre</a:t>
             </a:r>
-            <a:endParaRPr lang="fr-FR" dirty="0"/>
           </a:p>
         </p:txBody>
       </p:sp>

--- a/Projet/diagramme de classe.pptx
+++ b/Projet/diagramme de classe.pptx
@@ -104,6 +104,11 @@
       </a:defRPr>
     </a:lvl9pPr>
   </p:defaultTextStyle>
+  <p:extLst>
+    <p:ext uri="{EFAFB233-063F-42B5-8137-9DF3F51BA10A}">
+      <p15:sldGuideLst xmlns:p15="http://schemas.microsoft.com/office/powerpoint/2012/main"/>
+    </p:ext>
+  </p:extLst>
 </p:presentation>
 </file>
 
@@ -254,7 +259,7 @@
           <a:p>
             <a:fld id="{8A97DFC4-7EDA-47DE-A904-3C6536726019}" type="datetimeFigureOut">
               <a:rPr lang="fr-FR" smtClean="0"/>
-              <a:t>27/02/2020</a:t>
+              <a:t>28/02/2020</a:t>
             </a:fld>
             <a:endParaRPr lang="fr-FR"/>
           </a:p>
@@ -452,7 +457,7 @@
           <a:p>
             <a:fld id="{8A97DFC4-7EDA-47DE-A904-3C6536726019}" type="datetimeFigureOut">
               <a:rPr lang="fr-FR" smtClean="0"/>
-              <a:t>27/02/2020</a:t>
+              <a:t>28/02/2020</a:t>
             </a:fld>
             <a:endParaRPr lang="fr-FR"/>
           </a:p>
@@ -660,7 +665,7 @@
           <a:p>
             <a:fld id="{8A97DFC4-7EDA-47DE-A904-3C6536726019}" type="datetimeFigureOut">
               <a:rPr lang="fr-FR" smtClean="0"/>
-              <a:t>27/02/2020</a:t>
+              <a:t>28/02/2020</a:t>
             </a:fld>
             <a:endParaRPr lang="fr-FR"/>
           </a:p>
@@ -858,7 +863,7 @@
           <a:p>
             <a:fld id="{8A97DFC4-7EDA-47DE-A904-3C6536726019}" type="datetimeFigureOut">
               <a:rPr lang="fr-FR" smtClean="0"/>
-              <a:t>27/02/2020</a:t>
+              <a:t>28/02/2020</a:t>
             </a:fld>
             <a:endParaRPr lang="fr-FR"/>
           </a:p>
@@ -1133,7 +1138,7 @@
           <a:p>
             <a:fld id="{8A97DFC4-7EDA-47DE-A904-3C6536726019}" type="datetimeFigureOut">
               <a:rPr lang="fr-FR" smtClean="0"/>
-              <a:t>27/02/2020</a:t>
+              <a:t>28/02/2020</a:t>
             </a:fld>
             <a:endParaRPr lang="fr-FR"/>
           </a:p>
@@ -1398,7 +1403,7 @@
           <a:p>
             <a:fld id="{8A97DFC4-7EDA-47DE-A904-3C6536726019}" type="datetimeFigureOut">
               <a:rPr lang="fr-FR" smtClean="0"/>
-              <a:t>27/02/2020</a:t>
+              <a:t>28/02/2020</a:t>
             </a:fld>
             <a:endParaRPr lang="fr-FR"/>
           </a:p>
@@ -1810,7 +1815,7 @@
           <a:p>
             <a:fld id="{8A97DFC4-7EDA-47DE-A904-3C6536726019}" type="datetimeFigureOut">
               <a:rPr lang="fr-FR" smtClean="0"/>
-              <a:t>27/02/2020</a:t>
+              <a:t>28/02/2020</a:t>
             </a:fld>
             <a:endParaRPr lang="fr-FR"/>
           </a:p>
@@ -1951,7 +1956,7 @@
           <a:p>
             <a:fld id="{8A97DFC4-7EDA-47DE-A904-3C6536726019}" type="datetimeFigureOut">
               <a:rPr lang="fr-FR" smtClean="0"/>
-              <a:t>27/02/2020</a:t>
+              <a:t>28/02/2020</a:t>
             </a:fld>
             <a:endParaRPr lang="fr-FR"/>
           </a:p>
@@ -2064,7 +2069,7 @@
           <a:p>
             <a:fld id="{8A97DFC4-7EDA-47DE-A904-3C6536726019}" type="datetimeFigureOut">
               <a:rPr lang="fr-FR" smtClean="0"/>
-              <a:t>27/02/2020</a:t>
+              <a:t>28/02/2020</a:t>
             </a:fld>
             <a:endParaRPr lang="fr-FR"/>
           </a:p>
@@ -2375,7 +2380,7 @@
           <a:p>
             <a:fld id="{8A97DFC4-7EDA-47DE-A904-3C6536726019}" type="datetimeFigureOut">
               <a:rPr lang="fr-FR" smtClean="0"/>
-              <a:t>27/02/2020</a:t>
+              <a:t>28/02/2020</a:t>
             </a:fld>
             <a:endParaRPr lang="fr-FR"/>
           </a:p>
@@ -2663,7 +2668,7 @@
           <a:p>
             <a:fld id="{8A97DFC4-7EDA-47DE-A904-3C6536726019}" type="datetimeFigureOut">
               <a:rPr lang="fr-FR" smtClean="0"/>
-              <a:t>27/02/2020</a:t>
+              <a:t>28/02/2020</a:t>
             </a:fld>
             <a:endParaRPr lang="fr-FR"/>
           </a:p>
@@ -2904,7 +2909,7 @@
           <a:p>
             <a:fld id="{8A97DFC4-7EDA-47DE-A904-3C6536726019}" type="datetimeFigureOut">
               <a:rPr lang="fr-FR" smtClean="0"/>
-              <a:t>27/02/2020</a:t>
+              <a:t>28/02/2020</a:t>
             </a:fld>
             <a:endParaRPr lang="fr-FR"/>
           </a:p>
@@ -3321,735 +3326,1536 @@
           <a:chExt cx="0" cy="0"/>
         </a:xfrm>
       </p:grpSpPr>
-      <p:sp>
-        <p:nvSpPr>
-          <p:cNvPr id="23" name="Rectangle 22">
-            <a:extLst>
-              <a:ext uri="{FF2B5EF4-FFF2-40B4-BE49-F238E27FC236}">
-                <a16:creationId xmlns:a16="http://schemas.microsoft.com/office/drawing/2014/main" id="{48538B59-1F12-4B94-B296-4914A3D75476}"/>
-              </a:ext>
-            </a:extLst>
-          </p:cNvPr>
-          <p:cNvSpPr/>
+      <p:grpSp>
+        <p:nvGrpSpPr>
+          <p:cNvPr id="4" name="Groupe 3">
+            <a:extLst>
+              <a:ext uri="{FF2B5EF4-FFF2-40B4-BE49-F238E27FC236}">
+                <a16:creationId xmlns:a16="http://schemas.microsoft.com/office/drawing/2014/main" id="{99FD69BC-05CD-4D5B-8766-54419B359163}"/>
+              </a:ext>
+            </a:extLst>
+          </p:cNvPr>
+          <p:cNvGrpSpPr/>
           <p:nvPr/>
-        </p:nvSpPr>
+        </p:nvGrpSpPr>
+        <p:grpSpPr>
+          <a:xfrm>
+            <a:off x="309155" y="4588329"/>
+            <a:ext cx="1389016" cy="1224642"/>
+            <a:chOff x="711200" y="833120"/>
+            <a:chExt cx="1717040" cy="1656080"/>
+          </a:xfrm>
+        </p:grpSpPr>
+        <p:sp>
+          <p:nvSpPr>
+            <p:cNvPr id="2" name="Rectangle 1">
+              <a:extLst>
+                <a:ext uri="{FF2B5EF4-FFF2-40B4-BE49-F238E27FC236}">
+                  <a16:creationId xmlns:a16="http://schemas.microsoft.com/office/drawing/2014/main" id="{97C5179E-D23A-4461-AE0D-4B7DC32A0638}"/>
+                </a:ext>
+              </a:extLst>
+            </p:cNvPr>
+            <p:cNvSpPr/>
+            <p:nvPr/>
+          </p:nvSpPr>
+          <p:spPr>
+            <a:xfrm>
+              <a:off x="711200" y="833120"/>
+              <a:ext cx="1717040" cy="1656080"/>
+            </a:xfrm>
+            <a:prstGeom prst="rect">
+              <a:avLst/>
+            </a:prstGeom>
+          </p:spPr>
+          <p:style>
+            <a:lnRef idx="0">
+              <a:schemeClr val="accent1"/>
+            </a:lnRef>
+            <a:fillRef idx="3">
+              <a:schemeClr val="accent1"/>
+            </a:fillRef>
+            <a:effectRef idx="3">
+              <a:schemeClr val="accent1"/>
+            </a:effectRef>
+            <a:fontRef idx="minor">
+              <a:schemeClr val="lt1"/>
+            </a:fontRef>
+          </p:style>
+          <p:txBody>
+            <a:bodyPr rtlCol="0" anchor="ctr"/>
+            <a:lstStyle/>
+            <a:p>
+              <a:pPr algn="ctr"/>
+              <a:endParaRPr lang="fr-FR" dirty="0"/>
+            </a:p>
+          </p:txBody>
+        </p:sp>
+        <p:sp>
+          <p:nvSpPr>
+            <p:cNvPr id="3" name="Rectangle 2">
+              <a:extLst>
+                <a:ext uri="{FF2B5EF4-FFF2-40B4-BE49-F238E27FC236}">
+                  <a16:creationId xmlns:a16="http://schemas.microsoft.com/office/drawing/2014/main" id="{BA4D2CCC-57D2-4CD0-BD3F-288FDB63C2BE}"/>
+                </a:ext>
+              </a:extLst>
+            </p:cNvPr>
+            <p:cNvSpPr/>
+            <p:nvPr/>
+          </p:nvSpPr>
+          <p:spPr>
+            <a:xfrm>
+              <a:off x="711200" y="833120"/>
+              <a:ext cx="1717040" cy="508000"/>
+            </a:xfrm>
+            <a:prstGeom prst="rect">
+              <a:avLst/>
+            </a:prstGeom>
+          </p:spPr>
+          <p:style>
+            <a:lnRef idx="2">
+              <a:schemeClr val="dk1"/>
+            </a:lnRef>
+            <a:fillRef idx="1">
+              <a:schemeClr val="lt1"/>
+            </a:fillRef>
+            <a:effectRef idx="0">
+              <a:schemeClr val="dk1"/>
+            </a:effectRef>
+            <a:fontRef idx="minor">
+              <a:schemeClr val="dk1"/>
+            </a:fontRef>
+          </p:style>
+          <p:txBody>
+            <a:bodyPr rtlCol="0" anchor="ctr"/>
+            <a:lstStyle/>
+            <a:p>
+              <a:pPr algn="ctr"/>
+              <a:r>
+                <a:rPr lang="fr-FR" dirty="0" err="1"/>
+                <a:t>Compress</a:t>
+              </a:r>
+              <a:endParaRPr lang="fr-FR" dirty="0"/>
+            </a:p>
+          </p:txBody>
+        </p:sp>
+      </p:grpSp>
+      <p:grpSp>
+        <p:nvGrpSpPr>
+          <p:cNvPr id="61" name="Groupe 60">
+            <a:extLst>
+              <a:ext uri="{FF2B5EF4-FFF2-40B4-BE49-F238E27FC236}">
+                <a16:creationId xmlns:a16="http://schemas.microsoft.com/office/drawing/2014/main" id="{8AA1168F-8B89-4E1E-B39F-49BD99F5F1E4}"/>
+              </a:ext>
+            </a:extLst>
+          </p:cNvPr>
+          <p:cNvGrpSpPr/>
+          <p:nvPr/>
+        </p:nvGrpSpPr>
+        <p:grpSpPr>
+          <a:xfrm>
+            <a:off x="2143399" y="4588329"/>
+            <a:ext cx="1389016" cy="1224642"/>
+            <a:chOff x="711200" y="833120"/>
+            <a:chExt cx="1717040" cy="1656080"/>
+          </a:xfrm>
+        </p:grpSpPr>
+        <p:sp>
+          <p:nvSpPr>
+            <p:cNvPr id="62" name="Rectangle 61">
+              <a:extLst>
+                <a:ext uri="{FF2B5EF4-FFF2-40B4-BE49-F238E27FC236}">
+                  <a16:creationId xmlns:a16="http://schemas.microsoft.com/office/drawing/2014/main" id="{788E5C64-702C-4C33-A4AE-90585A06303D}"/>
+                </a:ext>
+              </a:extLst>
+            </p:cNvPr>
+            <p:cNvSpPr/>
+            <p:nvPr/>
+          </p:nvSpPr>
+          <p:spPr>
+            <a:xfrm>
+              <a:off x="711200" y="833120"/>
+              <a:ext cx="1717040" cy="1656080"/>
+            </a:xfrm>
+            <a:prstGeom prst="rect">
+              <a:avLst/>
+            </a:prstGeom>
+          </p:spPr>
+          <p:style>
+            <a:lnRef idx="0">
+              <a:schemeClr val="accent1"/>
+            </a:lnRef>
+            <a:fillRef idx="3">
+              <a:schemeClr val="accent1"/>
+            </a:fillRef>
+            <a:effectRef idx="3">
+              <a:schemeClr val="accent1"/>
+            </a:effectRef>
+            <a:fontRef idx="minor">
+              <a:schemeClr val="lt1"/>
+            </a:fontRef>
+          </p:style>
+          <p:txBody>
+            <a:bodyPr rtlCol="0" anchor="ctr"/>
+            <a:lstStyle/>
+            <a:p>
+              <a:pPr algn="ctr"/>
+              <a:endParaRPr lang="fr-FR" dirty="0"/>
+            </a:p>
+          </p:txBody>
+        </p:sp>
+        <p:sp>
+          <p:nvSpPr>
+            <p:cNvPr id="63" name="Rectangle 62">
+              <a:extLst>
+                <a:ext uri="{FF2B5EF4-FFF2-40B4-BE49-F238E27FC236}">
+                  <a16:creationId xmlns:a16="http://schemas.microsoft.com/office/drawing/2014/main" id="{21D7C80F-631F-46CB-B822-7BA814E5FF92}"/>
+                </a:ext>
+              </a:extLst>
+            </p:cNvPr>
+            <p:cNvSpPr/>
+            <p:nvPr/>
+          </p:nvSpPr>
+          <p:spPr>
+            <a:xfrm>
+              <a:off x="711200" y="833120"/>
+              <a:ext cx="1717040" cy="508000"/>
+            </a:xfrm>
+            <a:prstGeom prst="rect">
+              <a:avLst/>
+            </a:prstGeom>
+          </p:spPr>
+          <p:style>
+            <a:lnRef idx="2">
+              <a:schemeClr val="dk1"/>
+            </a:lnRef>
+            <a:fillRef idx="1">
+              <a:schemeClr val="lt1"/>
+            </a:fillRef>
+            <a:effectRef idx="0">
+              <a:schemeClr val="dk1"/>
+            </a:effectRef>
+            <a:fontRef idx="minor">
+              <a:schemeClr val="dk1"/>
+            </a:fontRef>
+          </p:style>
+          <p:txBody>
+            <a:bodyPr rtlCol="0" anchor="ctr"/>
+            <a:lstStyle/>
+            <a:p>
+              <a:pPr algn="ctr"/>
+              <a:r>
+                <a:rPr lang="fr-FR" dirty="0" err="1"/>
+                <a:t>Decompress</a:t>
+              </a:r>
+              <a:endParaRPr lang="fr-FR" dirty="0"/>
+            </a:p>
+          </p:txBody>
+        </p:sp>
+      </p:grpSp>
+      <p:grpSp>
+        <p:nvGrpSpPr>
+          <p:cNvPr id="65" name="Groupe 64">
+            <a:extLst>
+              <a:ext uri="{FF2B5EF4-FFF2-40B4-BE49-F238E27FC236}">
+                <a16:creationId xmlns:a16="http://schemas.microsoft.com/office/drawing/2014/main" id="{A041CF13-8C2C-4487-91DC-1C550C4586BF}"/>
+              </a:ext>
+            </a:extLst>
+          </p:cNvPr>
+          <p:cNvGrpSpPr/>
+          <p:nvPr/>
+        </p:nvGrpSpPr>
+        <p:grpSpPr>
+          <a:xfrm>
+            <a:off x="6045292" y="4594564"/>
+            <a:ext cx="1389016" cy="1224642"/>
+            <a:chOff x="711200" y="833120"/>
+            <a:chExt cx="1717040" cy="1656080"/>
+          </a:xfrm>
+        </p:grpSpPr>
+        <p:sp>
+          <p:nvSpPr>
+            <p:cNvPr id="66" name="Rectangle 65">
+              <a:extLst>
+                <a:ext uri="{FF2B5EF4-FFF2-40B4-BE49-F238E27FC236}">
+                  <a16:creationId xmlns:a16="http://schemas.microsoft.com/office/drawing/2014/main" id="{CCF6C0BC-AF49-4EDB-926C-37EBC3C22802}"/>
+                </a:ext>
+              </a:extLst>
+            </p:cNvPr>
+            <p:cNvSpPr/>
+            <p:nvPr/>
+          </p:nvSpPr>
+          <p:spPr>
+            <a:xfrm>
+              <a:off x="711200" y="833120"/>
+              <a:ext cx="1717040" cy="1656080"/>
+            </a:xfrm>
+            <a:prstGeom prst="rect">
+              <a:avLst/>
+            </a:prstGeom>
+          </p:spPr>
+          <p:style>
+            <a:lnRef idx="0">
+              <a:schemeClr val="accent1"/>
+            </a:lnRef>
+            <a:fillRef idx="3">
+              <a:schemeClr val="accent1"/>
+            </a:fillRef>
+            <a:effectRef idx="3">
+              <a:schemeClr val="accent1"/>
+            </a:effectRef>
+            <a:fontRef idx="minor">
+              <a:schemeClr val="lt1"/>
+            </a:fontRef>
+          </p:style>
+          <p:txBody>
+            <a:bodyPr rtlCol="0" anchor="ctr"/>
+            <a:lstStyle/>
+            <a:p>
+              <a:pPr algn="ctr"/>
+              <a:endParaRPr lang="fr-FR" dirty="0"/>
+            </a:p>
+          </p:txBody>
+        </p:sp>
+        <p:sp>
+          <p:nvSpPr>
+            <p:cNvPr id="67" name="Rectangle 66">
+              <a:extLst>
+                <a:ext uri="{FF2B5EF4-FFF2-40B4-BE49-F238E27FC236}">
+                  <a16:creationId xmlns:a16="http://schemas.microsoft.com/office/drawing/2014/main" id="{A59DB226-AD80-4744-9C33-8922C182A79C}"/>
+                </a:ext>
+              </a:extLst>
+            </p:cNvPr>
+            <p:cNvSpPr/>
+            <p:nvPr/>
+          </p:nvSpPr>
+          <p:spPr>
+            <a:xfrm>
+              <a:off x="711200" y="833120"/>
+              <a:ext cx="1717040" cy="508000"/>
+            </a:xfrm>
+            <a:prstGeom prst="rect">
+              <a:avLst/>
+            </a:prstGeom>
+          </p:spPr>
+          <p:style>
+            <a:lnRef idx="2">
+              <a:schemeClr val="dk1"/>
+            </a:lnRef>
+            <a:fillRef idx="1">
+              <a:schemeClr val="lt1"/>
+            </a:fillRef>
+            <a:effectRef idx="0">
+              <a:schemeClr val="dk1"/>
+            </a:effectRef>
+            <a:fontRef idx="minor">
+              <a:schemeClr val="dk1"/>
+            </a:fontRef>
+          </p:style>
+          <p:txBody>
+            <a:bodyPr rtlCol="0" anchor="ctr"/>
+            <a:lstStyle/>
+            <a:p>
+              <a:pPr algn="ctr"/>
+              <a:r>
+                <a:rPr lang="fr-FR" dirty="0"/>
+                <a:t>Fic</a:t>
+              </a:r>
+            </a:p>
+          </p:txBody>
+        </p:sp>
+      </p:grpSp>
+      <p:grpSp>
+        <p:nvGrpSpPr>
+          <p:cNvPr id="68" name="Groupe 67">
+            <a:extLst>
+              <a:ext uri="{FF2B5EF4-FFF2-40B4-BE49-F238E27FC236}">
+                <a16:creationId xmlns:a16="http://schemas.microsoft.com/office/drawing/2014/main" id="{346D3AAC-5125-4589-BA4B-A31AB2ADE92B}"/>
+              </a:ext>
+            </a:extLst>
+          </p:cNvPr>
+          <p:cNvGrpSpPr/>
+          <p:nvPr/>
+        </p:nvGrpSpPr>
+        <p:grpSpPr>
+          <a:xfrm>
+            <a:off x="4090854" y="587284"/>
+            <a:ext cx="1389016" cy="1378132"/>
+            <a:chOff x="711200" y="833120"/>
+            <a:chExt cx="1717040" cy="1656080"/>
+          </a:xfrm>
+        </p:grpSpPr>
+        <p:sp>
+          <p:nvSpPr>
+            <p:cNvPr id="69" name="Rectangle 68">
+              <a:extLst>
+                <a:ext uri="{FF2B5EF4-FFF2-40B4-BE49-F238E27FC236}">
+                  <a16:creationId xmlns:a16="http://schemas.microsoft.com/office/drawing/2014/main" id="{9016D74C-4D66-4F01-B6D4-410FA3B483A6}"/>
+                </a:ext>
+              </a:extLst>
+            </p:cNvPr>
+            <p:cNvSpPr/>
+            <p:nvPr/>
+          </p:nvSpPr>
+          <p:spPr>
+            <a:xfrm>
+              <a:off x="711200" y="833120"/>
+              <a:ext cx="1717040" cy="1656080"/>
+            </a:xfrm>
+            <a:prstGeom prst="rect">
+              <a:avLst/>
+            </a:prstGeom>
+          </p:spPr>
+          <p:style>
+            <a:lnRef idx="0">
+              <a:schemeClr val="accent1"/>
+            </a:lnRef>
+            <a:fillRef idx="3">
+              <a:schemeClr val="accent1"/>
+            </a:fillRef>
+            <a:effectRef idx="3">
+              <a:schemeClr val="accent1"/>
+            </a:effectRef>
+            <a:fontRef idx="minor">
+              <a:schemeClr val="lt1"/>
+            </a:fontRef>
+          </p:style>
+          <p:txBody>
+            <a:bodyPr rtlCol="0" anchor="ctr"/>
+            <a:lstStyle/>
+            <a:p>
+              <a:pPr algn="ctr"/>
+              <a:endParaRPr lang="fr-FR" dirty="0"/>
+            </a:p>
+          </p:txBody>
+        </p:sp>
+        <p:sp>
+          <p:nvSpPr>
+            <p:cNvPr id="70" name="Rectangle 69">
+              <a:extLst>
+                <a:ext uri="{FF2B5EF4-FFF2-40B4-BE49-F238E27FC236}">
+                  <a16:creationId xmlns:a16="http://schemas.microsoft.com/office/drawing/2014/main" id="{A5B3653C-85BF-43BD-B1C8-4FF1B7FF3FA9}"/>
+                </a:ext>
+              </a:extLst>
+            </p:cNvPr>
+            <p:cNvSpPr/>
+            <p:nvPr/>
+          </p:nvSpPr>
+          <p:spPr>
+            <a:xfrm>
+              <a:off x="711200" y="833120"/>
+              <a:ext cx="1717040" cy="508000"/>
+            </a:xfrm>
+            <a:prstGeom prst="rect">
+              <a:avLst/>
+            </a:prstGeom>
+          </p:spPr>
+          <p:style>
+            <a:lnRef idx="2">
+              <a:schemeClr val="dk1"/>
+            </a:lnRef>
+            <a:fillRef idx="1">
+              <a:schemeClr val="lt1"/>
+            </a:fillRef>
+            <a:effectRef idx="0">
+              <a:schemeClr val="dk1"/>
+            </a:effectRef>
+            <a:fontRef idx="minor">
+              <a:schemeClr val="dk1"/>
+            </a:fontRef>
+          </p:style>
+          <p:txBody>
+            <a:bodyPr rtlCol="0" anchor="ctr"/>
+            <a:lstStyle/>
+            <a:p>
+              <a:pPr algn="ctr"/>
+              <a:r>
+                <a:rPr lang="fr-FR" dirty="0" err="1"/>
+                <a:t>Huffman</a:t>
+              </a:r>
+              <a:endParaRPr lang="fr-FR" dirty="0"/>
+            </a:p>
+          </p:txBody>
+        </p:sp>
+      </p:grpSp>
+      <p:grpSp>
+        <p:nvGrpSpPr>
+          <p:cNvPr id="71" name="Groupe 70">
+            <a:extLst>
+              <a:ext uri="{FF2B5EF4-FFF2-40B4-BE49-F238E27FC236}">
+                <a16:creationId xmlns:a16="http://schemas.microsoft.com/office/drawing/2014/main" id="{C6EC90AF-8E1A-4C91-9D09-012D769592B4}"/>
+              </a:ext>
+            </a:extLst>
+          </p:cNvPr>
+          <p:cNvGrpSpPr/>
+          <p:nvPr/>
+        </p:nvGrpSpPr>
+        <p:grpSpPr>
+          <a:xfrm>
+            <a:off x="8831583" y="3069723"/>
+            <a:ext cx="1389016" cy="1224642"/>
+            <a:chOff x="711200" y="833120"/>
+            <a:chExt cx="1717040" cy="1656080"/>
+          </a:xfrm>
+        </p:grpSpPr>
+        <p:sp>
+          <p:nvSpPr>
+            <p:cNvPr id="72" name="Rectangle 71">
+              <a:extLst>
+                <a:ext uri="{FF2B5EF4-FFF2-40B4-BE49-F238E27FC236}">
+                  <a16:creationId xmlns:a16="http://schemas.microsoft.com/office/drawing/2014/main" id="{AEBD084B-A230-4581-AF6B-0E0FDBDE0D11}"/>
+                </a:ext>
+              </a:extLst>
+            </p:cNvPr>
+            <p:cNvSpPr/>
+            <p:nvPr/>
+          </p:nvSpPr>
+          <p:spPr>
+            <a:xfrm>
+              <a:off x="711200" y="833120"/>
+              <a:ext cx="1717040" cy="1656080"/>
+            </a:xfrm>
+            <a:prstGeom prst="rect">
+              <a:avLst/>
+            </a:prstGeom>
+          </p:spPr>
+          <p:style>
+            <a:lnRef idx="0">
+              <a:schemeClr val="accent1"/>
+            </a:lnRef>
+            <a:fillRef idx="3">
+              <a:schemeClr val="accent1"/>
+            </a:fillRef>
+            <a:effectRef idx="3">
+              <a:schemeClr val="accent1"/>
+            </a:effectRef>
+            <a:fontRef idx="minor">
+              <a:schemeClr val="lt1"/>
+            </a:fontRef>
+          </p:style>
+          <p:txBody>
+            <a:bodyPr rtlCol="0" anchor="ctr"/>
+            <a:lstStyle/>
+            <a:p>
+              <a:pPr algn="ctr"/>
+              <a:endParaRPr lang="fr-FR" dirty="0"/>
+            </a:p>
+          </p:txBody>
+        </p:sp>
+        <p:sp>
+          <p:nvSpPr>
+            <p:cNvPr id="73" name="Rectangle 72">
+              <a:extLst>
+                <a:ext uri="{FF2B5EF4-FFF2-40B4-BE49-F238E27FC236}">
+                  <a16:creationId xmlns:a16="http://schemas.microsoft.com/office/drawing/2014/main" id="{10E137C5-04CC-4071-A0CB-BF49D01F841B}"/>
+                </a:ext>
+              </a:extLst>
+            </p:cNvPr>
+            <p:cNvSpPr/>
+            <p:nvPr/>
+          </p:nvSpPr>
+          <p:spPr>
+            <a:xfrm>
+              <a:off x="711200" y="833120"/>
+              <a:ext cx="1717040" cy="508000"/>
+            </a:xfrm>
+            <a:prstGeom prst="rect">
+              <a:avLst/>
+            </a:prstGeom>
+          </p:spPr>
+          <p:style>
+            <a:lnRef idx="2">
+              <a:schemeClr val="dk1"/>
+            </a:lnRef>
+            <a:fillRef idx="1">
+              <a:schemeClr val="lt1"/>
+            </a:fillRef>
+            <a:effectRef idx="0">
+              <a:schemeClr val="dk1"/>
+            </a:effectRef>
+            <a:fontRef idx="minor">
+              <a:schemeClr val="dk1"/>
+            </a:fontRef>
+          </p:style>
+          <p:txBody>
+            <a:bodyPr rtlCol="0" anchor="ctr"/>
+            <a:lstStyle/>
+            <a:p>
+              <a:pPr algn="ctr"/>
+              <a:r>
+                <a:rPr lang="fr-FR" dirty="0" err="1"/>
+                <a:t>BinaryPath</a:t>
+              </a:r>
+              <a:endParaRPr lang="fr-FR" dirty="0"/>
+            </a:p>
+          </p:txBody>
+        </p:sp>
+      </p:grpSp>
+      <p:grpSp>
+        <p:nvGrpSpPr>
+          <p:cNvPr id="74" name="Groupe 73">
+            <a:extLst>
+              <a:ext uri="{FF2B5EF4-FFF2-40B4-BE49-F238E27FC236}">
+                <a16:creationId xmlns:a16="http://schemas.microsoft.com/office/drawing/2014/main" id="{7E7BCEE0-43A0-4900-99CD-79B0E0EB6C54}"/>
+              </a:ext>
+            </a:extLst>
+          </p:cNvPr>
+          <p:cNvGrpSpPr/>
+          <p:nvPr/>
+        </p:nvGrpSpPr>
+        <p:grpSpPr>
+          <a:xfrm>
+            <a:off x="4090854" y="3069723"/>
+            <a:ext cx="1389016" cy="1224642"/>
+            <a:chOff x="711200" y="833120"/>
+            <a:chExt cx="1717040" cy="1656080"/>
+          </a:xfrm>
+        </p:grpSpPr>
+        <p:sp>
+          <p:nvSpPr>
+            <p:cNvPr id="75" name="Rectangle 74">
+              <a:extLst>
+                <a:ext uri="{FF2B5EF4-FFF2-40B4-BE49-F238E27FC236}">
+                  <a16:creationId xmlns:a16="http://schemas.microsoft.com/office/drawing/2014/main" id="{FD9EC427-F8F2-45A6-B8E0-3594E05603FE}"/>
+                </a:ext>
+              </a:extLst>
+            </p:cNvPr>
+            <p:cNvSpPr/>
+            <p:nvPr/>
+          </p:nvSpPr>
+          <p:spPr>
+            <a:xfrm>
+              <a:off x="711200" y="833120"/>
+              <a:ext cx="1717040" cy="1656080"/>
+            </a:xfrm>
+            <a:prstGeom prst="rect">
+              <a:avLst/>
+            </a:prstGeom>
+          </p:spPr>
+          <p:style>
+            <a:lnRef idx="0">
+              <a:schemeClr val="accent1"/>
+            </a:lnRef>
+            <a:fillRef idx="3">
+              <a:schemeClr val="accent1"/>
+            </a:fillRef>
+            <a:effectRef idx="3">
+              <a:schemeClr val="accent1"/>
+            </a:effectRef>
+            <a:fontRef idx="minor">
+              <a:schemeClr val="lt1"/>
+            </a:fontRef>
+          </p:style>
+          <p:txBody>
+            <a:bodyPr rtlCol="0" anchor="ctr"/>
+            <a:lstStyle/>
+            <a:p>
+              <a:pPr algn="ctr"/>
+              <a:endParaRPr lang="fr-FR" dirty="0"/>
+            </a:p>
+          </p:txBody>
+        </p:sp>
+        <p:sp>
+          <p:nvSpPr>
+            <p:cNvPr id="76" name="Rectangle 75">
+              <a:extLst>
+                <a:ext uri="{FF2B5EF4-FFF2-40B4-BE49-F238E27FC236}">
+                  <a16:creationId xmlns:a16="http://schemas.microsoft.com/office/drawing/2014/main" id="{1AD5F7B5-5850-47EE-B792-0BAF5191B36E}"/>
+                </a:ext>
+              </a:extLst>
+            </p:cNvPr>
+            <p:cNvSpPr/>
+            <p:nvPr/>
+          </p:nvSpPr>
+          <p:spPr>
+            <a:xfrm>
+              <a:off x="711200" y="833120"/>
+              <a:ext cx="1717040" cy="508000"/>
+            </a:xfrm>
+            <a:prstGeom prst="rect">
+              <a:avLst/>
+            </a:prstGeom>
+          </p:spPr>
+          <p:style>
+            <a:lnRef idx="2">
+              <a:schemeClr val="dk1"/>
+            </a:lnRef>
+            <a:fillRef idx="1">
+              <a:schemeClr val="lt1"/>
+            </a:fillRef>
+            <a:effectRef idx="0">
+              <a:schemeClr val="dk1"/>
+            </a:effectRef>
+            <a:fontRef idx="minor">
+              <a:schemeClr val="dk1"/>
+            </a:fontRef>
+          </p:style>
+          <p:txBody>
+            <a:bodyPr rtlCol="0" anchor="ctr"/>
+            <a:lstStyle/>
+            <a:p>
+              <a:pPr algn="ctr"/>
+              <a:r>
+                <a:rPr lang="fr-FR" dirty="0"/>
+                <a:t>Arbre</a:t>
+              </a:r>
+            </a:p>
+          </p:txBody>
+        </p:sp>
+      </p:grpSp>
+      <p:grpSp>
+        <p:nvGrpSpPr>
+          <p:cNvPr id="77" name="Groupe 76">
+            <a:extLst>
+              <a:ext uri="{FF2B5EF4-FFF2-40B4-BE49-F238E27FC236}">
+                <a16:creationId xmlns:a16="http://schemas.microsoft.com/office/drawing/2014/main" id="{43E945D4-C985-488F-B669-EEB778D5C198}"/>
+              </a:ext>
+            </a:extLst>
+          </p:cNvPr>
+          <p:cNvGrpSpPr/>
+          <p:nvPr/>
+        </p:nvGrpSpPr>
+        <p:grpSpPr>
+          <a:xfrm>
+            <a:off x="7155726" y="664029"/>
+            <a:ext cx="1389016" cy="1224642"/>
+            <a:chOff x="711200" y="833120"/>
+            <a:chExt cx="1717040" cy="1656080"/>
+          </a:xfrm>
+        </p:grpSpPr>
+        <p:sp>
+          <p:nvSpPr>
+            <p:cNvPr id="78" name="Rectangle 77">
+              <a:extLst>
+                <a:ext uri="{FF2B5EF4-FFF2-40B4-BE49-F238E27FC236}">
+                  <a16:creationId xmlns:a16="http://schemas.microsoft.com/office/drawing/2014/main" id="{21D31487-F301-479E-A5E7-FB8F349C637D}"/>
+                </a:ext>
+              </a:extLst>
+            </p:cNvPr>
+            <p:cNvSpPr/>
+            <p:nvPr/>
+          </p:nvSpPr>
+          <p:spPr>
+            <a:xfrm>
+              <a:off x="711200" y="833120"/>
+              <a:ext cx="1717040" cy="1656080"/>
+            </a:xfrm>
+            <a:prstGeom prst="rect">
+              <a:avLst/>
+            </a:prstGeom>
+          </p:spPr>
+          <p:style>
+            <a:lnRef idx="0">
+              <a:schemeClr val="accent1"/>
+            </a:lnRef>
+            <a:fillRef idx="3">
+              <a:schemeClr val="accent1"/>
+            </a:fillRef>
+            <a:effectRef idx="3">
+              <a:schemeClr val="accent1"/>
+            </a:effectRef>
+            <a:fontRef idx="minor">
+              <a:schemeClr val="lt1"/>
+            </a:fontRef>
+          </p:style>
+          <p:txBody>
+            <a:bodyPr rtlCol="0" anchor="ctr"/>
+            <a:lstStyle/>
+            <a:p>
+              <a:pPr algn="ctr"/>
+              <a:endParaRPr lang="fr-FR" dirty="0"/>
+            </a:p>
+          </p:txBody>
+        </p:sp>
+        <p:sp>
+          <p:nvSpPr>
+            <p:cNvPr id="79" name="Rectangle 78">
+              <a:extLst>
+                <a:ext uri="{FF2B5EF4-FFF2-40B4-BE49-F238E27FC236}">
+                  <a16:creationId xmlns:a16="http://schemas.microsoft.com/office/drawing/2014/main" id="{92C0A5AB-E757-4831-B743-A0C0BD739D55}"/>
+                </a:ext>
+              </a:extLst>
+            </p:cNvPr>
+            <p:cNvSpPr/>
+            <p:nvPr/>
+          </p:nvSpPr>
+          <p:spPr>
+            <a:xfrm>
+              <a:off x="711200" y="833120"/>
+              <a:ext cx="1717040" cy="508000"/>
+            </a:xfrm>
+            <a:prstGeom prst="rect">
+              <a:avLst/>
+            </a:prstGeom>
+          </p:spPr>
+          <p:style>
+            <a:lnRef idx="2">
+              <a:schemeClr val="dk1"/>
+            </a:lnRef>
+            <a:fillRef idx="1">
+              <a:schemeClr val="lt1"/>
+            </a:fillRef>
+            <a:effectRef idx="0">
+              <a:schemeClr val="dk1"/>
+            </a:effectRef>
+            <a:fontRef idx="minor">
+              <a:schemeClr val="dk1"/>
+            </a:fontRef>
+          </p:style>
+          <p:txBody>
+            <a:bodyPr rtlCol="0" anchor="ctr"/>
+            <a:lstStyle/>
+            <a:p>
+              <a:pPr algn="ctr"/>
+              <a:r>
+                <a:rPr lang="fr-FR" dirty="0"/>
+                <a:t>Liste</a:t>
+              </a:r>
+            </a:p>
+          </p:txBody>
+        </p:sp>
+      </p:grpSp>
+      <p:grpSp>
+        <p:nvGrpSpPr>
+          <p:cNvPr id="80" name="Groupe 79">
+            <a:extLst>
+              <a:ext uri="{FF2B5EF4-FFF2-40B4-BE49-F238E27FC236}">
+                <a16:creationId xmlns:a16="http://schemas.microsoft.com/office/drawing/2014/main" id="{F47B9648-0D3D-4962-9486-CFE858180758}"/>
+              </a:ext>
+            </a:extLst>
+          </p:cNvPr>
+          <p:cNvGrpSpPr/>
+          <p:nvPr/>
+        </p:nvGrpSpPr>
+        <p:grpSpPr>
+          <a:xfrm>
+            <a:off x="10220598" y="664029"/>
+            <a:ext cx="1389016" cy="1224642"/>
+            <a:chOff x="711200" y="833120"/>
+            <a:chExt cx="1717040" cy="1656080"/>
+          </a:xfrm>
+        </p:grpSpPr>
+        <p:sp>
+          <p:nvSpPr>
+            <p:cNvPr id="81" name="Rectangle 80">
+              <a:extLst>
+                <a:ext uri="{FF2B5EF4-FFF2-40B4-BE49-F238E27FC236}">
+                  <a16:creationId xmlns:a16="http://schemas.microsoft.com/office/drawing/2014/main" id="{B74708D0-B5B4-4EEF-A849-7F56925F6ACF}"/>
+                </a:ext>
+              </a:extLst>
+            </p:cNvPr>
+            <p:cNvSpPr/>
+            <p:nvPr/>
+          </p:nvSpPr>
+          <p:spPr>
+            <a:xfrm>
+              <a:off x="711200" y="833120"/>
+              <a:ext cx="1717040" cy="1656080"/>
+            </a:xfrm>
+            <a:prstGeom prst="rect">
+              <a:avLst/>
+            </a:prstGeom>
+          </p:spPr>
+          <p:style>
+            <a:lnRef idx="0">
+              <a:schemeClr val="accent1"/>
+            </a:lnRef>
+            <a:fillRef idx="3">
+              <a:schemeClr val="accent1"/>
+            </a:fillRef>
+            <a:effectRef idx="3">
+              <a:schemeClr val="accent1"/>
+            </a:effectRef>
+            <a:fontRef idx="minor">
+              <a:schemeClr val="lt1"/>
+            </a:fontRef>
+          </p:style>
+          <p:txBody>
+            <a:bodyPr rtlCol="0" anchor="ctr"/>
+            <a:lstStyle/>
+            <a:p>
+              <a:pPr algn="ctr"/>
+              <a:endParaRPr lang="fr-FR" dirty="0"/>
+            </a:p>
+          </p:txBody>
+        </p:sp>
+        <p:sp>
+          <p:nvSpPr>
+            <p:cNvPr id="82" name="Rectangle 81">
+              <a:extLst>
+                <a:ext uri="{FF2B5EF4-FFF2-40B4-BE49-F238E27FC236}">
+                  <a16:creationId xmlns:a16="http://schemas.microsoft.com/office/drawing/2014/main" id="{5130A046-AAEE-4C04-B5CE-2FD8442DA5E0}"/>
+                </a:ext>
+              </a:extLst>
+            </p:cNvPr>
+            <p:cNvSpPr/>
+            <p:nvPr/>
+          </p:nvSpPr>
+          <p:spPr>
+            <a:xfrm>
+              <a:off x="711200" y="833120"/>
+              <a:ext cx="1717040" cy="508000"/>
+            </a:xfrm>
+            <a:prstGeom prst="rect">
+              <a:avLst/>
+            </a:prstGeom>
+          </p:spPr>
+          <p:style>
+            <a:lnRef idx="2">
+              <a:schemeClr val="dk1"/>
+            </a:lnRef>
+            <a:fillRef idx="1">
+              <a:schemeClr val="lt1"/>
+            </a:fillRef>
+            <a:effectRef idx="0">
+              <a:schemeClr val="dk1"/>
+            </a:effectRef>
+            <a:fontRef idx="minor">
+              <a:schemeClr val="dk1"/>
+            </a:fontRef>
+          </p:style>
+          <p:txBody>
+            <a:bodyPr rtlCol="0" anchor="ctr"/>
+            <a:lstStyle/>
+            <a:p>
+              <a:pPr algn="ctr"/>
+              <a:r>
+                <a:rPr lang="fr-FR" dirty="0" err="1"/>
+                <a:t>Element</a:t>
+              </a:r>
+              <a:endParaRPr lang="fr-FR" dirty="0"/>
+            </a:p>
+          </p:txBody>
+        </p:sp>
+      </p:grpSp>
+      <p:cxnSp>
+        <p:nvCxnSpPr>
+          <p:cNvPr id="83" name="Connecteur : en angle 82">
+            <a:extLst>
+              <a:ext uri="{FF2B5EF4-FFF2-40B4-BE49-F238E27FC236}">
+                <a16:creationId xmlns:a16="http://schemas.microsoft.com/office/drawing/2014/main" id="{01FC017E-F9FE-409F-8497-49D65679659C}"/>
+              </a:ext>
+            </a:extLst>
+          </p:cNvPr>
+          <p:cNvCxnSpPr>
+            <a:cxnSpLocks/>
+            <a:stCxn id="78" idx="2"/>
+          </p:cNvCxnSpPr>
+          <p:nvPr/>
+        </p:nvCxnSpPr>
+        <p:spPr>
+          <a:xfrm rot="5400000">
+            <a:off x="5980612" y="1387929"/>
+            <a:ext cx="1368880" cy="2370364"/>
+          </a:xfrm>
+          <a:prstGeom prst="bentConnector2">
+            <a:avLst/>
+          </a:prstGeom>
+          <a:ln w="38100">
+            <a:tailEnd type="triangle"/>
+          </a:ln>
+        </p:spPr>
+        <p:style>
+          <a:lnRef idx="3">
+            <a:schemeClr val="dk1"/>
+          </a:lnRef>
+          <a:fillRef idx="0">
+            <a:schemeClr val="dk1"/>
+          </a:fillRef>
+          <a:effectRef idx="2">
+            <a:schemeClr val="dk1"/>
+          </a:effectRef>
+          <a:fontRef idx="minor">
+            <a:schemeClr val="tx1"/>
+          </a:fontRef>
+        </p:style>
+      </p:cxnSp>
+      <p:cxnSp>
+        <p:nvCxnSpPr>
+          <p:cNvPr id="84" name="Connecteur : en angle 83">
+            <a:extLst>
+              <a:ext uri="{FF2B5EF4-FFF2-40B4-BE49-F238E27FC236}">
+                <a16:creationId xmlns:a16="http://schemas.microsoft.com/office/drawing/2014/main" id="{E4F58DFB-6345-412F-90BF-C92A599A3311}"/>
+              </a:ext>
+            </a:extLst>
+          </p:cNvPr>
+          <p:cNvCxnSpPr>
+            <a:cxnSpLocks/>
+            <a:stCxn id="79" idx="3"/>
+            <a:endCxn id="82" idx="1"/>
+          </p:cNvCxnSpPr>
+          <p:nvPr/>
+        </p:nvCxnSpPr>
         <p:spPr>
           <a:xfrm>
-            <a:off x="894080" y="314960"/>
-            <a:ext cx="1910080" cy="2529840"/>
+            <a:off x="8544742" y="851858"/>
+            <a:ext cx="1675856" cy="12700"/>
+          </a:xfrm>
+          <a:prstGeom prst="bentConnector3">
+            <a:avLst>
+              <a:gd name="adj1" fmla="val 1499"/>
+            </a:avLst>
+          </a:prstGeom>
+          <a:ln w="38100">
+            <a:tailEnd type="triangle"/>
+          </a:ln>
+        </p:spPr>
+        <p:style>
+          <a:lnRef idx="3">
+            <a:schemeClr val="dk1"/>
+          </a:lnRef>
+          <a:fillRef idx="0">
+            <a:schemeClr val="dk1"/>
+          </a:fillRef>
+          <a:effectRef idx="2">
+            <a:schemeClr val="dk1"/>
+          </a:effectRef>
+          <a:fontRef idx="minor">
+            <a:schemeClr val="tx1"/>
+          </a:fontRef>
+        </p:style>
+      </p:cxnSp>
+      <p:sp>
+        <p:nvSpPr>
+          <p:cNvPr id="20" name="ZoneTexte 19">
+            <a:extLst>
+              <a:ext uri="{FF2B5EF4-FFF2-40B4-BE49-F238E27FC236}">
+                <a16:creationId xmlns:a16="http://schemas.microsoft.com/office/drawing/2014/main" id="{2DF79DC4-7E00-4BC1-8224-3711480FBCC4}"/>
+              </a:ext>
+            </a:extLst>
+          </p:cNvPr>
+          <p:cNvSpPr txBox="1"/>
+          <p:nvPr/>
+        </p:nvSpPr>
+        <p:spPr>
+          <a:xfrm>
+            <a:off x="8484962" y="910180"/>
+            <a:ext cx="1917336" cy="369332"/>
           </a:xfrm>
           <a:prstGeom prst="rect">
             <a:avLst/>
           </a:prstGeom>
+          <a:noFill/>
         </p:spPr>
-        <p:style>
-          <a:lnRef idx="2">
-            <a:schemeClr val="dk1"/>
-          </a:lnRef>
-          <a:fillRef idx="1">
-            <a:schemeClr val="lt1"/>
-          </a:fillRef>
-          <a:effectRef idx="0">
-            <a:schemeClr val="dk1"/>
-          </a:effectRef>
-          <a:fontRef idx="minor">
-            <a:schemeClr val="dk1"/>
-          </a:fontRef>
-        </p:style>
-        <p:txBody>
-          <a:bodyPr rtlCol="0" anchor="ctr"/>
-          <a:lstStyle/>
-          <a:p>
-            <a:pPr algn="ctr"/>
-            <a:endParaRPr lang="fr-FR"/>
-          </a:p>
-        </p:txBody>
-      </p:sp>
-      <p:sp>
-        <p:nvSpPr>
-          <p:cNvPr id="24" name="Rectangle 23">
-            <a:extLst>
-              <a:ext uri="{FF2B5EF4-FFF2-40B4-BE49-F238E27FC236}">
-                <a16:creationId xmlns:a16="http://schemas.microsoft.com/office/drawing/2014/main" id="{05884F31-E4BF-43EF-AFA9-F8975782704D}"/>
-              </a:ext>
-            </a:extLst>
-          </p:cNvPr>
-          <p:cNvSpPr/>
+        <p:txBody>
+          <a:bodyPr wrap="square" rtlCol="0">
+            <a:spAutoFit/>
+          </a:bodyPr>
+          <a:lstStyle/>
+          <a:p>
+            <a:r>
+              <a:rPr lang="fr-FR" dirty="0"/>
+              <a:t>Est composée de</a:t>
+            </a:r>
+          </a:p>
+        </p:txBody>
+      </p:sp>
+      <p:sp>
+        <p:nvSpPr>
+          <p:cNvPr id="87" name="ZoneTexte 86">
+            <a:extLst>
+              <a:ext uri="{FF2B5EF4-FFF2-40B4-BE49-F238E27FC236}">
+                <a16:creationId xmlns:a16="http://schemas.microsoft.com/office/drawing/2014/main" id="{3EE5D90E-53F8-47B9-8C96-186B8BAE8FCD}"/>
+              </a:ext>
+            </a:extLst>
+          </p:cNvPr>
+          <p:cNvSpPr txBox="1"/>
           <p:nvPr/>
         </p:nvSpPr>
         <p:spPr>
           <a:xfrm>
-            <a:off x="894080" y="314960"/>
-            <a:ext cx="1910080" cy="782320"/>
+            <a:off x="6254752" y="2847511"/>
+            <a:ext cx="2022202" cy="369332"/>
           </a:xfrm>
           <a:prstGeom prst="rect">
             <a:avLst/>
           </a:prstGeom>
+          <a:noFill/>
+        </p:spPr>
+        <p:txBody>
+          <a:bodyPr wrap="square" rtlCol="0">
+            <a:spAutoFit/>
+          </a:bodyPr>
+          <a:lstStyle/>
+          <a:p>
+            <a:r>
+              <a:rPr lang="fr-FR" dirty="0"/>
+              <a:t>Utilise</a:t>
+            </a:r>
+          </a:p>
+        </p:txBody>
+      </p:sp>
+      <p:cxnSp>
+        <p:nvCxnSpPr>
+          <p:cNvPr id="88" name="Connecteur : en angle 87">
+            <a:extLst>
+              <a:ext uri="{FF2B5EF4-FFF2-40B4-BE49-F238E27FC236}">
+                <a16:creationId xmlns:a16="http://schemas.microsoft.com/office/drawing/2014/main" id="{F9543431-13FA-48FB-A57E-5C2E986BA082}"/>
+              </a:ext>
+            </a:extLst>
+          </p:cNvPr>
+          <p:cNvCxnSpPr>
+            <a:cxnSpLocks/>
+            <a:stCxn id="69" idx="2"/>
+            <a:endCxn id="76" idx="0"/>
+          </p:cNvCxnSpPr>
+          <p:nvPr/>
+        </p:nvCxnSpPr>
+        <p:spPr>
+          <a:xfrm rot="5400000">
+            <a:off x="4233209" y="2517569"/>
+            <a:ext cx="1104307" cy="12700"/>
+          </a:xfrm>
+          <a:prstGeom prst="bentConnector3">
+            <a:avLst>
+              <a:gd name="adj1" fmla="val -1522"/>
+            </a:avLst>
+          </a:prstGeom>
+          <a:ln w="38100">
+            <a:tailEnd type="triangle"/>
+          </a:ln>
         </p:spPr>
         <p:style>
-          <a:lnRef idx="2">
+          <a:lnRef idx="3">
             <a:schemeClr val="dk1"/>
           </a:lnRef>
-          <a:fillRef idx="1">
-            <a:schemeClr val="lt1"/>
+          <a:fillRef idx="0">
+            <a:schemeClr val="dk1"/>
           </a:fillRef>
-          <a:effectRef idx="0">
+          <a:effectRef idx="2">
             <a:schemeClr val="dk1"/>
           </a:effectRef>
           <a:fontRef idx="minor">
-            <a:schemeClr val="dk1"/>
+            <a:schemeClr val="tx1"/>
           </a:fontRef>
         </p:style>
-        <p:txBody>
-          <a:bodyPr rtlCol="0" anchor="ctr"/>
-          <a:lstStyle/>
-          <a:p>
-            <a:pPr algn="ctr"/>
-            <a:r>
-              <a:rPr lang="fr-FR" dirty="0" err="1"/>
-              <a:t>Element</a:t>
-            </a:r>
-            <a:endParaRPr lang="fr-FR" dirty="0"/>
-          </a:p>
-        </p:txBody>
-      </p:sp>
-      <p:sp>
-        <p:nvSpPr>
-          <p:cNvPr id="35" name="Rectangle 34">
-            <a:extLst>
-              <a:ext uri="{FF2B5EF4-FFF2-40B4-BE49-F238E27FC236}">
-                <a16:creationId xmlns:a16="http://schemas.microsoft.com/office/drawing/2014/main" id="{699B4C79-0D80-46BD-8675-8AF80A8FBB55}"/>
-              </a:ext>
-            </a:extLst>
-          </p:cNvPr>
-          <p:cNvSpPr/>
+      </p:cxnSp>
+      <p:sp>
+        <p:nvSpPr>
+          <p:cNvPr id="92" name="ZoneTexte 91">
+            <a:extLst>
+              <a:ext uri="{FF2B5EF4-FFF2-40B4-BE49-F238E27FC236}">
+                <a16:creationId xmlns:a16="http://schemas.microsoft.com/office/drawing/2014/main" id="{3823D1AB-317D-4BBC-A7C1-9BD45BC0DA92}"/>
+              </a:ext>
+            </a:extLst>
+          </p:cNvPr>
+          <p:cNvSpPr txBox="1"/>
           <p:nvPr/>
         </p:nvSpPr>
         <p:spPr>
           <a:xfrm>
-            <a:off x="3596640" y="314960"/>
-            <a:ext cx="1910080" cy="2529840"/>
+            <a:off x="4791713" y="2216911"/>
+            <a:ext cx="896439" cy="375657"/>
           </a:xfrm>
           <a:prstGeom prst="rect">
             <a:avLst/>
           </a:prstGeom>
+          <a:noFill/>
+        </p:spPr>
+        <p:txBody>
+          <a:bodyPr wrap="square" rtlCol="0">
+            <a:spAutoFit/>
+          </a:bodyPr>
+          <a:lstStyle/>
+          <a:p>
+            <a:r>
+              <a:rPr lang="fr-FR" dirty="0"/>
+              <a:t>Créer</a:t>
+            </a:r>
+          </a:p>
+        </p:txBody>
+      </p:sp>
+      <p:cxnSp>
+        <p:nvCxnSpPr>
+          <p:cNvPr id="95" name="Connecteur : en angle 94">
+            <a:extLst>
+              <a:ext uri="{FF2B5EF4-FFF2-40B4-BE49-F238E27FC236}">
+                <a16:creationId xmlns:a16="http://schemas.microsoft.com/office/drawing/2014/main" id="{768FC1D2-6436-4BCF-A37E-ECF6DFF18125}"/>
+              </a:ext>
+            </a:extLst>
+          </p:cNvPr>
+          <p:cNvCxnSpPr>
+            <a:cxnSpLocks/>
+            <a:stCxn id="63" idx="0"/>
+            <a:endCxn id="69" idx="1"/>
+          </p:cNvCxnSpPr>
+          <p:nvPr/>
+        </p:nvCxnSpPr>
+        <p:spPr>
+          <a:xfrm rot="5400000" flipH="1" flipV="1">
+            <a:off x="1808391" y="2305867"/>
+            <a:ext cx="3311979" cy="1252947"/>
+          </a:xfrm>
+          <a:prstGeom prst="bentConnector2">
+            <a:avLst/>
+          </a:prstGeom>
+          <a:ln w="38100">
+            <a:tailEnd type="triangle"/>
+          </a:ln>
         </p:spPr>
         <p:style>
-          <a:lnRef idx="2">
+          <a:lnRef idx="3">
             <a:schemeClr val="dk1"/>
           </a:lnRef>
-          <a:fillRef idx="1">
-            <a:schemeClr val="lt1"/>
+          <a:fillRef idx="0">
+            <a:schemeClr val="dk1"/>
           </a:fillRef>
-          <a:effectRef idx="0">
+          <a:effectRef idx="2">
             <a:schemeClr val="dk1"/>
           </a:effectRef>
           <a:fontRef idx="minor">
-            <a:schemeClr val="dk1"/>
+            <a:schemeClr val="tx1"/>
           </a:fontRef>
         </p:style>
-        <p:txBody>
-          <a:bodyPr rtlCol="0" anchor="ctr"/>
-          <a:lstStyle/>
-          <a:p>
-            <a:pPr algn="ctr"/>
-            <a:endParaRPr lang="fr-FR"/>
-          </a:p>
-        </p:txBody>
-      </p:sp>
-      <p:sp>
-        <p:nvSpPr>
-          <p:cNvPr id="36" name="Rectangle 35">
-            <a:extLst>
-              <a:ext uri="{FF2B5EF4-FFF2-40B4-BE49-F238E27FC236}">
-                <a16:creationId xmlns:a16="http://schemas.microsoft.com/office/drawing/2014/main" id="{32339084-5966-41C2-96D3-0845AB2B84DC}"/>
-              </a:ext>
-            </a:extLst>
-          </p:cNvPr>
-          <p:cNvSpPr/>
+      </p:cxnSp>
+      <p:cxnSp>
+        <p:nvCxnSpPr>
+          <p:cNvPr id="98" name="Connecteur : en angle 97">
+            <a:extLst>
+              <a:ext uri="{FF2B5EF4-FFF2-40B4-BE49-F238E27FC236}">
+                <a16:creationId xmlns:a16="http://schemas.microsoft.com/office/drawing/2014/main" id="{A3149837-B835-4940-B9AE-640E5B2D1A09}"/>
+              </a:ext>
+            </a:extLst>
+          </p:cNvPr>
+          <p:cNvCxnSpPr>
+            <a:cxnSpLocks/>
+            <a:stCxn id="3" idx="0"/>
+            <a:endCxn id="70" idx="1"/>
+          </p:cNvCxnSpPr>
+          <p:nvPr/>
+        </p:nvCxnSpPr>
+        <p:spPr>
+          <a:xfrm rot="5400000" flipH="1" flipV="1">
+            <a:off x="652421" y="1149897"/>
+            <a:ext cx="3789675" cy="3087191"/>
+          </a:xfrm>
+          <a:prstGeom prst="bentConnector2">
+            <a:avLst/>
+          </a:prstGeom>
+          <a:ln w="38100">
+            <a:tailEnd type="triangle"/>
+          </a:ln>
+        </p:spPr>
+        <p:style>
+          <a:lnRef idx="3">
+            <a:schemeClr val="dk1"/>
+          </a:lnRef>
+          <a:fillRef idx="0">
+            <a:schemeClr val="dk1"/>
+          </a:fillRef>
+          <a:effectRef idx="2">
+            <a:schemeClr val="dk1"/>
+          </a:effectRef>
+          <a:fontRef idx="minor">
+            <a:schemeClr val="tx1"/>
+          </a:fontRef>
+        </p:style>
+      </p:cxnSp>
+      <p:sp>
+        <p:nvSpPr>
+          <p:cNvPr id="102" name="ZoneTexte 101">
+            <a:extLst>
+              <a:ext uri="{FF2B5EF4-FFF2-40B4-BE49-F238E27FC236}">
+                <a16:creationId xmlns:a16="http://schemas.microsoft.com/office/drawing/2014/main" id="{35F4F74B-3D5F-44DE-8292-163900DB4923}"/>
+              </a:ext>
+            </a:extLst>
+          </p:cNvPr>
+          <p:cNvSpPr txBox="1"/>
           <p:nvPr/>
         </p:nvSpPr>
         <p:spPr>
           <a:xfrm>
-            <a:off x="3596640" y="314960"/>
-            <a:ext cx="1910080" cy="782320"/>
+            <a:off x="287927" y="2660604"/>
+            <a:ext cx="1524000" cy="369332"/>
           </a:xfrm>
           <a:prstGeom prst="rect">
             <a:avLst/>
           </a:prstGeom>
+          <a:noFill/>
         </p:spPr>
-        <p:style>
-          <a:lnRef idx="2">
-            <a:schemeClr val="dk1"/>
-          </a:lnRef>
-          <a:fillRef idx="1">
-            <a:schemeClr val="lt1"/>
-          </a:fillRef>
-          <a:effectRef idx="0">
-            <a:schemeClr val="dk1"/>
-          </a:effectRef>
-          <a:fontRef idx="minor">
-            <a:schemeClr val="dk1"/>
-          </a:fontRef>
-        </p:style>
-        <p:txBody>
-          <a:bodyPr rtlCol="0" anchor="ctr"/>
-          <a:lstStyle/>
-          <a:p>
-            <a:pPr algn="ctr"/>
+        <p:txBody>
+          <a:bodyPr wrap="square" rtlCol="0">
+            <a:spAutoFit/>
+          </a:bodyPr>
+          <a:lstStyle/>
+          <a:p>
             <a:r>
               <a:rPr lang="fr-FR" dirty="0"/>
-              <a:t>Liste</a:t>
-            </a:r>
-          </a:p>
-        </p:txBody>
-      </p:sp>
-      <p:sp>
-        <p:nvSpPr>
-          <p:cNvPr id="37" name="Rectangle 36">
-            <a:extLst>
-              <a:ext uri="{FF2B5EF4-FFF2-40B4-BE49-F238E27FC236}">
-                <a16:creationId xmlns:a16="http://schemas.microsoft.com/office/drawing/2014/main" id="{65328202-146E-4711-BBC9-E823097CA727}"/>
-              </a:ext>
-            </a:extLst>
-          </p:cNvPr>
-          <p:cNvSpPr/>
+              <a:t>Utilise</a:t>
+            </a:r>
+          </a:p>
+        </p:txBody>
+      </p:sp>
+      <p:sp>
+        <p:nvSpPr>
+          <p:cNvPr id="103" name="ZoneTexte 102">
+            <a:extLst>
+              <a:ext uri="{FF2B5EF4-FFF2-40B4-BE49-F238E27FC236}">
+                <a16:creationId xmlns:a16="http://schemas.microsoft.com/office/drawing/2014/main" id="{7DD4A81B-882B-4F0C-BF97-35F0E3A70135}"/>
+              </a:ext>
+            </a:extLst>
+          </p:cNvPr>
+          <p:cNvSpPr txBox="1"/>
           <p:nvPr/>
         </p:nvSpPr>
         <p:spPr>
           <a:xfrm>
-            <a:off x="6299200" y="314960"/>
-            <a:ext cx="1910080" cy="2529840"/>
+            <a:off x="2075907" y="2639491"/>
+            <a:ext cx="1524000" cy="369332"/>
           </a:xfrm>
           <a:prstGeom prst="rect">
             <a:avLst/>
           </a:prstGeom>
+          <a:noFill/>
+        </p:spPr>
+        <p:txBody>
+          <a:bodyPr wrap="square" rtlCol="0">
+            <a:spAutoFit/>
+          </a:bodyPr>
+          <a:lstStyle/>
+          <a:p>
+            <a:r>
+              <a:rPr lang="fr-FR" dirty="0"/>
+              <a:t>Utilise</a:t>
+            </a:r>
+          </a:p>
+        </p:txBody>
+      </p:sp>
+      <p:cxnSp>
+        <p:nvCxnSpPr>
+          <p:cNvPr id="104" name="Connecteur : en angle 103">
+            <a:extLst>
+              <a:ext uri="{FF2B5EF4-FFF2-40B4-BE49-F238E27FC236}">
+                <a16:creationId xmlns:a16="http://schemas.microsoft.com/office/drawing/2014/main" id="{2E6CAA75-2C22-4330-88BB-47EB19A19044}"/>
+              </a:ext>
+            </a:extLst>
+          </p:cNvPr>
+          <p:cNvCxnSpPr>
+            <a:cxnSpLocks/>
+            <a:stCxn id="75" idx="3"/>
+            <a:endCxn id="72" idx="1"/>
+          </p:cNvCxnSpPr>
+          <p:nvPr/>
+        </p:nvCxnSpPr>
+        <p:spPr>
+          <a:xfrm>
+            <a:off x="5479870" y="3682044"/>
+            <a:ext cx="3351713" cy="12700"/>
+          </a:xfrm>
+          <a:prstGeom prst="bentConnector3">
+            <a:avLst>
+              <a:gd name="adj1" fmla="val 287"/>
+            </a:avLst>
+          </a:prstGeom>
+          <a:ln w="38100">
+            <a:tailEnd type="triangle"/>
+          </a:ln>
         </p:spPr>
         <p:style>
-          <a:lnRef idx="2">
+          <a:lnRef idx="3">
             <a:schemeClr val="dk1"/>
           </a:lnRef>
-          <a:fillRef idx="1">
-            <a:schemeClr val="lt1"/>
+          <a:fillRef idx="0">
+            <a:schemeClr val="dk1"/>
           </a:fillRef>
-          <a:effectRef idx="0">
+          <a:effectRef idx="2">
             <a:schemeClr val="dk1"/>
           </a:effectRef>
           <a:fontRef idx="minor">
-            <a:schemeClr val="dk1"/>
+            <a:schemeClr val="tx1"/>
           </a:fontRef>
         </p:style>
-        <p:txBody>
-          <a:bodyPr rtlCol="0" anchor="ctr"/>
-          <a:lstStyle/>
-          <a:p>
-            <a:pPr algn="ctr"/>
-            <a:endParaRPr lang="fr-FR"/>
-          </a:p>
-        </p:txBody>
-      </p:sp>
-      <p:sp>
-        <p:nvSpPr>
-          <p:cNvPr id="38" name="Rectangle 37">
-            <a:extLst>
-              <a:ext uri="{FF2B5EF4-FFF2-40B4-BE49-F238E27FC236}">
-                <a16:creationId xmlns:a16="http://schemas.microsoft.com/office/drawing/2014/main" id="{7EE2641F-58BF-44ED-97BB-D40CE8FF8660}"/>
-              </a:ext>
-            </a:extLst>
-          </p:cNvPr>
-          <p:cNvSpPr/>
+      </p:cxnSp>
+      <p:sp>
+        <p:nvSpPr>
+          <p:cNvPr id="108" name="ZoneTexte 107">
+            <a:extLst>
+              <a:ext uri="{FF2B5EF4-FFF2-40B4-BE49-F238E27FC236}">
+                <a16:creationId xmlns:a16="http://schemas.microsoft.com/office/drawing/2014/main" id="{7C2206DE-9562-4B07-A7CE-146DD18A98FF}"/>
+              </a:ext>
+            </a:extLst>
+          </p:cNvPr>
+          <p:cNvSpPr txBox="1"/>
           <p:nvPr/>
         </p:nvSpPr>
         <p:spPr>
           <a:xfrm>
-            <a:off x="6299200" y="314960"/>
-            <a:ext cx="1910080" cy="782320"/>
+            <a:off x="6568807" y="3688394"/>
+            <a:ext cx="1747520" cy="369332"/>
           </a:xfrm>
           <a:prstGeom prst="rect">
             <a:avLst/>
           </a:prstGeom>
+          <a:noFill/>
+        </p:spPr>
+        <p:txBody>
+          <a:bodyPr wrap="square" rtlCol="0">
+            <a:spAutoFit/>
+          </a:bodyPr>
+          <a:lstStyle/>
+          <a:p>
+            <a:r>
+              <a:rPr lang="fr-FR" dirty="0"/>
+              <a:t>Possède</a:t>
+            </a:r>
+          </a:p>
+        </p:txBody>
+      </p:sp>
+      <p:cxnSp>
+        <p:nvCxnSpPr>
+          <p:cNvPr id="109" name="Connecteur : en angle 108">
+            <a:extLst>
+              <a:ext uri="{FF2B5EF4-FFF2-40B4-BE49-F238E27FC236}">
+                <a16:creationId xmlns:a16="http://schemas.microsoft.com/office/drawing/2014/main" id="{02FC1555-CC6B-4340-A04A-A67C5C4A9E2C}"/>
+              </a:ext>
+            </a:extLst>
+          </p:cNvPr>
+          <p:cNvCxnSpPr>
+            <a:cxnSpLocks/>
+            <a:stCxn id="63" idx="3"/>
+            <a:endCxn id="67" idx="1"/>
+          </p:cNvCxnSpPr>
+          <p:nvPr/>
+        </p:nvCxnSpPr>
+        <p:spPr>
+          <a:xfrm>
+            <a:off x="3532415" y="4776158"/>
+            <a:ext cx="2512877" cy="6235"/>
+          </a:xfrm>
+          <a:prstGeom prst="bentConnector3">
+            <a:avLst>
+              <a:gd name="adj1" fmla="val 673"/>
+            </a:avLst>
+          </a:prstGeom>
+          <a:ln w="38100">
+            <a:tailEnd type="triangle"/>
+          </a:ln>
         </p:spPr>
         <p:style>
-          <a:lnRef idx="2">
+          <a:lnRef idx="3">
             <a:schemeClr val="dk1"/>
           </a:lnRef>
-          <a:fillRef idx="1">
-            <a:schemeClr val="lt1"/>
+          <a:fillRef idx="0">
+            <a:schemeClr val="dk1"/>
           </a:fillRef>
-          <a:effectRef idx="0">
+          <a:effectRef idx="2">
             <a:schemeClr val="dk1"/>
           </a:effectRef>
           <a:fontRef idx="minor">
-            <a:schemeClr val="dk1"/>
+            <a:schemeClr val="tx1"/>
           </a:fontRef>
         </p:style>
-        <p:txBody>
-          <a:bodyPr rtlCol="0" anchor="ctr"/>
-          <a:lstStyle/>
-          <a:p>
-            <a:pPr algn="ctr"/>
-            <a:r>
-              <a:rPr lang="fr-FR" dirty="0" err="1"/>
-              <a:t>Huffman</a:t>
-            </a:r>
-            <a:endParaRPr lang="fr-FR" dirty="0"/>
-          </a:p>
-        </p:txBody>
-      </p:sp>
-      <p:sp>
-        <p:nvSpPr>
-          <p:cNvPr id="39" name="Rectangle 38">
-            <a:extLst>
-              <a:ext uri="{FF2B5EF4-FFF2-40B4-BE49-F238E27FC236}">
-                <a16:creationId xmlns:a16="http://schemas.microsoft.com/office/drawing/2014/main" id="{DCE0A11C-5A22-4DE6-91A9-7B97E0E1132E}"/>
-              </a:ext>
-            </a:extLst>
-          </p:cNvPr>
-          <p:cNvSpPr/>
+      </p:cxnSp>
+      <p:cxnSp>
+        <p:nvCxnSpPr>
+          <p:cNvPr id="113" name="Connecteur : en angle 112">
+            <a:extLst>
+              <a:ext uri="{FF2B5EF4-FFF2-40B4-BE49-F238E27FC236}">
+                <a16:creationId xmlns:a16="http://schemas.microsoft.com/office/drawing/2014/main" id="{B5AC2C0E-CD90-4D26-A259-E992ECF05CC4}"/>
+              </a:ext>
+            </a:extLst>
+          </p:cNvPr>
+          <p:cNvCxnSpPr>
+            <a:cxnSpLocks/>
+            <a:stCxn id="2" idx="2"/>
+            <a:endCxn id="66" idx="2"/>
+          </p:cNvCxnSpPr>
+          <p:nvPr/>
+        </p:nvCxnSpPr>
+        <p:spPr>
+          <a:xfrm rot="16200000" flipH="1">
+            <a:off x="3868614" y="2948019"/>
+            <a:ext cx="6235" cy="5736137"/>
+          </a:xfrm>
+          <a:prstGeom prst="bentConnector3">
+            <a:avLst>
+              <a:gd name="adj1" fmla="val 3766399"/>
+            </a:avLst>
+          </a:prstGeom>
+          <a:ln w="38100">
+            <a:tailEnd type="triangle"/>
+          </a:ln>
+        </p:spPr>
+        <p:style>
+          <a:lnRef idx="3">
+            <a:schemeClr val="dk1"/>
+          </a:lnRef>
+          <a:fillRef idx="0">
+            <a:schemeClr val="dk1"/>
+          </a:fillRef>
+          <a:effectRef idx="2">
+            <a:schemeClr val="dk1"/>
+          </a:effectRef>
+          <a:fontRef idx="minor">
+            <a:schemeClr val="tx1"/>
+          </a:fontRef>
+        </p:style>
+      </p:cxnSp>
+      <p:sp>
+        <p:nvSpPr>
+          <p:cNvPr id="117" name="ZoneTexte 116">
+            <a:extLst>
+              <a:ext uri="{FF2B5EF4-FFF2-40B4-BE49-F238E27FC236}">
+                <a16:creationId xmlns:a16="http://schemas.microsoft.com/office/drawing/2014/main" id="{8BD9A74A-3E60-44C3-99DB-BE2F7D119E49}"/>
+              </a:ext>
+            </a:extLst>
+          </p:cNvPr>
+          <p:cNvSpPr txBox="1"/>
           <p:nvPr/>
         </p:nvSpPr>
         <p:spPr>
           <a:xfrm>
-            <a:off x="9001760" y="314960"/>
-            <a:ext cx="1910080" cy="2529840"/>
+            <a:off x="4226923" y="4759566"/>
+            <a:ext cx="1389016" cy="369332"/>
           </a:xfrm>
           <a:prstGeom prst="rect">
             <a:avLst/>
           </a:prstGeom>
+          <a:noFill/>
         </p:spPr>
-        <p:style>
-          <a:lnRef idx="2">
-            <a:schemeClr val="dk1"/>
-          </a:lnRef>
-          <a:fillRef idx="1">
-            <a:schemeClr val="lt1"/>
-          </a:fillRef>
-          <a:effectRef idx="0">
-            <a:schemeClr val="dk1"/>
-          </a:effectRef>
-          <a:fontRef idx="minor">
-            <a:schemeClr val="dk1"/>
-          </a:fontRef>
-        </p:style>
-        <p:txBody>
-          <a:bodyPr rtlCol="0" anchor="ctr"/>
-          <a:lstStyle/>
-          <a:p>
-            <a:pPr algn="ctr"/>
-            <a:endParaRPr lang="fr-FR"/>
-          </a:p>
-        </p:txBody>
-      </p:sp>
-      <p:sp>
-        <p:nvSpPr>
-          <p:cNvPr id="40" name="Rectangle 39">
-            <a:extLst>
-              <a:ext uri="{FF2B5EF4-FFF2-40B4-BE49-F238E27FC236}">
-                <a16:creationId xmlns:a16="http://schemas.microsoft.com/office/drawing/2014/main" id="{959B2BEB-40CD-476F-B1C1-9D49204CA3BE}"/>
-              </a:ext>
-            </a:extLst>
-          </p:cNvPr>
-          <p:cNvSpPr/>
+        <p:txBody>
+          <a:bodyPr wrap="square" rtlCol="0">
+            <a:spAutoFit/>
+          </a:bodyPr>
+          <a:lstStyle/>
+          <a:p>
+            <a:r>
+              <a:rPr lang="fr-FR" dirty="0"/>
+              <a:t>Ecrit/lit</a:t>
+            </a:r>
+          </a:p>
+        </p:txBody>
+      </p:sp>
+      <p:sp>
+        <p:nvSpPr>
+          <p:cNvPr id="118" name="ZoneTexte 117">
+            <a:extLst>
+              <a:ext uri="{FF2B5EF4-FFF2-40B4-BE49-F238E27FC236}">
+                <a16:creationId xmlns:a16="http://schemas.microsoft.com/office/drawing/2014/main" id="{D9851533-CB8D-4878-9E97-47F41E1F05E8}"/>
+              </a:ext>
+            </a:extLst>
+          </p:cNvPr>
+          <p:cNvSpPr txBox="1"/>
           <p:nvPr/>
         </p:nvSpPr>
         <p:spPr>
           <a:xfrm>
-            <a:off x="9001760" y="314960"/>
-            <a:ext cx="1910080" cy="782320"/>
+            <a:off x="3871732" y="6086050"/>
+            <a:ext cx="1389016" cy="369332"/>
           </a:xfrm>
           <a:prstGeom prst="rect">
             <a:avLst/>
           </a:prstGeom>
+          <a:noFill/>
         </p:spPr>
-        <p:style>
-          <a:lnRef idx="2">
-            <a:schemeClr val="dk1"/>
-          </a:lnRef>
-          <a:fillRef idx="1">
-            <a:schemeClr val="lt1"/>
-          </a:fillRef>
-          <a:effectRef idx="0">
-            <a:schemeClr val="dk1"/>
-          </a:effectRef>
-          <a:fontRef idx="minor">
-            <a:schemeClr val="dk1"/>
-          </a:fontRef>
-        </p:style>
-        <p:txBody>
-          <a:bodyPr rtlCol="0" anchor="ctr"/>
-          <a:lstStyle/>
-          <a:p>
-            <a:pPr algn="ctr"/>
+        <p:txBody>
+          <a:bodyPr wrap="square" rtlCol="0">
+            <a:spAutoFit/>
+          </a:bodyPr>
+          <a:lstStyle/>
+          <a:p>
             <a:r>
               <a:rPr lang="fr-FR" dirty="0"/>
-              <a:t>Fic</a:t>
-            </a:r>
-          </a:p>
-        </p:txBody>
-      </p:sp>
-      <p:sp>
-        <p:nvSpPr>
-          <p:cNvPr id="45" name="Rectangle 44">
-            <a:extLst>
-              <a:ext uri="{FF2B5EF4-FFF2-40B4-BE49-F238E27FC236}">
-                <a16:creationId xmlns:a16="http://schemas.microsoft.com/office/drawing/2014/main" id="{576682F6-4AD1-47B5-B5D7-84CB68D9F2AC}"/>
-              </a:ext>
-            </a:extLst>
-          </p:cNvPr>
-          <p:cNvSpPr/>
-          <p:nvPr/>
-        </p:nvSpPr>
-        <p:spPr>
-          <a:xfrm>
-            <a:off x="894080" y="3429000"/>
-            <a:ext cx="1910080" cy="2529840"/>
-          </a:xfrm>
-          <a:prstGeom prst="rect">
-            <a:avLst/>
-          </a:prstGeom>
-        </p:spPr>
-        <p:style>
-          <a:lnRef idx="2">
-            <a:schemeClr val="dk1"/>
-          </a:lnRef>
-          <a:fillRef idx="1">
-            <a:schemeClr val="lt1"/>
-          </a:fillRef>
-          <a:effectRef idx="0">
-            <a:schemeClr val="dk1"/>
-          </a:effectRef>
-          <a:fontRef idx="minor">
-            <a:schemeClr val="dk1"/>
-          </a:fontRef>
-        </p:style>
-        <p:txBody>
-          <a:bodyPr rtlCol="0" anchor="ctr"/>
-          <a:lstStyle/>
-          <a:p>
-            <a:pPr algn="ctr"/>
-            <a:endParaRPr lang="fr-FR"/>
-          </a:p>
-        </p:txBody>
-      </p:sp>
-      <p:sp>
-        <p:nvSpPr>
-          <p:cNvPr id="46" name="Rectangle 45">
-            <a:extLst>
-              <a:ext uri="{FF2B5EF4-FFF2-40B4-BE49-F238E27FC236}">
-                <a16:creationId xmlns:a16="http://schemas.microsoft.com/office/drawing/2014/main" id="{BCB05C96-AF72-4B22-B50B-72EC6829737A}"/>
-              </a:ext>
-            </a:extLst>
-          </p:cNvPr>
-          <p:cNvSpPr/>
-          <p:nvPr/>
-        </p:nvSpPr>
-        <p:spPr>
-          <a:xfrm>
-            <a:off x="894080" y="3429000"/>
-            <a:ext cx="1910080" cy="782320"/>
-          </a:xfrm>
-          <a:prstGeom prst="rect">
-            <a:avLst/>
-          </a:prstGeom>
-        </p:spPr>
-        <p:style>
-          <a:lnRef idx="2">
-            <a:schemeClr val="dk1"/>
-          </a:lnRef>
-          <a:fillRef idx="1">
-            <a:schemeClr val="lt1"/>
-          </a:fillRef>
-          <a:effectRef idx="0">
-            <a:schemeClr val="dk1"/>
-          </a:effectRef>
-          <a:fontRef idx="minor">
-            <a:schemeClr val="dk1"/>
-          </a:fontRef>
-        </p:style>
-        <p:txBody>
-          <a:bodyPr rtlCol="0" anchor="ctr"/>
-          <a:lstStyle/>
-          <a:p>
-            <a:pPr algn="ctr"/>
-            <a:r>
-              <a:rPr lang="fr-FR" dirty="0" err="1"/>
-              <a:t>BinaryPath</a:t>
-            </a:r>
-            <a:endParaRPr lang="fr-FR" dirty="0"/>
-          </a:p>
-        </p:txBody>
-      </p:sp>
-      <p:sp>
-        <p:nvSpPr>
-          <p:cNvPr id="47" name="Rectangle 46">
-            <a:extLst>
-              <a:ext uri="{FF2B5EF4-FFF2-40B4-BE49-F238E27FC236}">
-                <a16:creationId xmlns:a16="http://schemas.microsoft.com/office/drawing/2014/main" id="{AF70C5CB-A078-4F9F-91C3-4F50B9592345}"/>
-              </a:ext>
-            </a:extLst>
-          </p:cNvPr>
-          <p:cNvSpPr/>
-          <p:nvPr/>
-        </p:nvSpPr>
-        <p:spPr>
-          <a:xfrm>
-            <a:off x="3596640" y="3429000"/>
-            <a:ext cx="1910080" cy="2529840"/>
-          </a:xfrm>
-          <a:prstGeom prst="rect">
-            <a:avLst/>
-          </a:prstGeom>
-        </p:spPr>
-        <p:style>
-          <a:lnRef idx="2">
-            <a:schemeClr val="dk1"/>
-          </a:lnRef>
-          <a:fillRef idx="1">
-            <a:schemeClr val="lt1"/>
-          </a:fillRef>
-          <a:effectRef idx="0">
-            <a:schemeClr val="dk1"/>
-          </a:effectRef>
-          <a:fontRef idx="minor">
-            <a:schemeClr val="dk1"/>
-          </a:fontRef>
-        </p:style>
-        <p:txBody>
-          <a:bodyPr rtlCol="0" anchor="ctr"/>
-          <a:lstStyle/>
-          <a:p>
-            <a:pPr algn="ctr"/>
-            <a:endParaRPr lang="fr-FR"/>
-          </a:p>
-        </p:txBody>
-      </p:sp>
-      <p:sp>
-        <p:nvSpPr>
-          <p:cNvPr id="48" name="Rectangle 47">
-            <a:extLst>
-              <a:ext uri="{FF2B5EF4-FFF2-40B4-BE49-F238E27FC236}">
-                <a16:creationId xmlns:a16="http://schemas.microsoft.com/office/drawing/2014/main" id="{2B6C0D51-B12B-4D6A-9B0E-DD74D96FFA06}"/>
-              </a:ext>
-            </a:extLst>
-          </p:cNvPr>
-          <p:cNvSpPr/>
-          <p:nvPr/>
-        </p:nvSpPr>
-        <p:spPr>
-          <a:xfrm>
-            <a:off x="3596640" y="3429000"/>
-            <a:ext cx="1910080" cy="782320"/>
-          </a:xfrm>
-          <a:prstGeom prst="rect">
-            <a:avLst/>
-          </a:prstGeom>
-        </p:spPr>
-        <p:style>
-          <a:lnRef idx="2">
-            <a:schemeClr val="dk1"/>
-          </a:lnRef>
-          <a:fillRef idx="1">
-            <a:schemeClr val="lt1"/>
-          </a:fillRef>
-          <a:effectRef idx="0">
-            <a:schemeClr val="dk1"/>
-          </a:effectRef>
-          <a:fontRef idx="minor">
-            <a:schemeClr val="dk1"/>
-          </a:fontRef>
-        </p:style>
-        <p:txBody>
-          <a:bodyPr rtlCol="0" anchor="ctr"/>
-          <a:lstStyle/>
-          <a:p>
-            <a:pPr algn="ctr"/>
-            <a:r>
-              <a:rPr lang="fr-FR" dirty="0" err="1"/>
-              <a:t>Compress</a:t>
-            </a:r>
-            <a:endParaRPr lang="fr-FR" dirty="0"/>
-          </a:p>
-        </p:txBody>
-      </p:sp>
-      <p:sp>
-        <p:nvSpPr>
-          <p:cNvPr id="49" name="Rectangle 48">
-            <a:extLst>
-              <a:ext uri="{FF2B5EF4-FFF2-40B4-BE49-F238E27FC236}">
-                <a16:creationId xmlns:a16="http://schemas.microsoft.com/office/drawing/2014/main" id="{C3840268-FDC4-4AD0-BC62-7FBC81268655}"/>
-              </a:ext>
-            </a:extLst>
-          </p:cNvPr>
-          <p:cNvSpPr/>
-          <p:nvPr/>
-        </p:nvSpPr>
-        <p:spPr>
-          <a:xfrm>
-            <a:off x="6299200" y="3429000"/>
-            <a:ext cx="1910080" cy="2529840"/>
-          </a:xfrm>
-          <a:prstGeom prst="rect">
-            <a:avLst/>
-          </a:prstGeom>
-        </p:spPr>
-        <p:style>
-          <a:lnRef idx="2">
-            <a:schemeClr val="dk1"/>
-          </a:lnRef>
-          <a:fillRef idx="1">
-            <a:schemeClr val="lt1"/>
-          </a:fillRef>
-          <a:effectRef idx="0">
-            <a:schemeClr val="dk1"/>
-          </a:effectRef>
-          <a:fontRef idx="minor">
-            <a:schemeClr val="dk1"/>
-          </a:fontRef>
-        </p:style>
-        <p:txBody>
-          <a:bodyPr rtlCol="0" anchor="ctr"/>
-          <a:lstStyle/>
-          <a:p>
-            <a:pPr algn="ctr"/>
-            <a:endParaRPr lang="fr-FR"/>
-          </a:p>
-        </p:txBody>
-      </p:sp>
-      <p:sp>
-        <p:nvSpPr>
-          <p:cNvPr id="50" name="Rectangle 49">
-            <a:extLst>
-              <a:ext uri="{FF2B5EF4-FFF2-40B4-BE49-F238E27FC236}">
-                <a16:creationId xmlns:a16="http://schemas.microsoft.com/office/drawing/2014/main" id="{564E8E7F-6908-419B-A1AE-C6684003C10F}"/>
-              </a:ext>
-            </a:extLst>
-          </p:cNvPr>
-          <p:cNvSpPr/>
-          <p:nvPr/>
-        </p:nvSpPr>
-        <p:spPr>
-          <a:xfrm>
-            <a:off x="6299200" y="3429000"/>
-            <a:ext cx="1910080" cy="782320"/>
-          </a:xfrm>
-          <a:prstGeom prst="rect">
-            <a:avLst/>
-          </a:prstGeom>
-        </p:spPr>
-        <p:style>
-          <a:lnRef idx="2">
-            <a:schemeClr val="dk1"/>
-          </a:lnRef>
-          <a:fillRef idx="1">
-            <a:schemeClr val="lt1"/>
-          </a:fillRef>
-          <a:effectRef idx="0">
-            <a:schemeClr val="dk1"/>
-          </a:effectRef>
-          <a:fontRef idx="minor">
-            <a:schemeClr val="dk1"/>
-          </a:fontRef>
-        </p:style>
-        <p:txBody>
-          <a:bodyPr rtlCol="0" anchor="ctr"/>
-          <a:lstStyle/>
-          <a:p>
-            <a:pPr algn="ctr"/>
-            <a:r>
-              <a:rPr lang="fr-FR" dirty="0" err="1"/>
-              <a:t>Decompress</a:t>
-            </a:r>
-            <a:endParaRPr lang="fr-FR" dirty="0"/>
-          </a:p>
-        </p:txBody>
-      </p:sp>
-      <p:sp>
-        <p:nvSpPr>
-          <p:cNvPr id="52" name="Rectangle 51">
-            <a:extLst>
-              <a:ext uri="{FF2B5EF4-FFF2-40B4-BE49-F238E27FC236}">
-                <a16:creationId xmlns:a16="http://schemas.microsoft.com/office/drawing/2014/main" id="{57542DA9-D53A-4763-BBCC-D6FF18D1BADC}"/>
-              </a:ext>
-            </a:extLst>
-          </p:cNvPr>
-          <p:cNvSpPr/>
-          <p:nvPr/>
-        </p:nvSpPr>
-        <p:spPr>
-          <a:xfrm>
-            <a:off x="9001760" y="3429000"/>
-            <a:ext cx="1910080" cy="2529840"/>
-          </a:xfrm>
-          <a:prstGeom prst="rect">
-            <a:avLst/>
-          </a:prstGeom>
-        </p:spPr>
-        <p:style>
-          <a:lnRef idx="2">
-            <a:schemeClr val="dk1"/>
-          </a:lnRef>
-          <a:fillRef idx="1">
-            <a:schemeClr val="lt1"/>
-          </a:fillRef>
-          <a:effectRef idx="0">
-            <a:schemeClr val="dk1"/>
-          </a:effectRef>
-          <a:fontRef idx="minor">
-            <a:schemeClr val="dk1"/>
-          </a:fontRef>
-        </p:style>
-        <p:txBody>
-          <a:bodyPr rtlCol="0" anchor="ctr"/>
-          <a:lstStyle/>
-          <a:p>
-            <a:pPr algn="ctr"/>
-            <a:endParaRPr lang="fr-FR"/>
-          </a:p>
-        </p:txBody>
-      </p:sp>
-      <p:sp>
-        <p:nvSpPr>
-          <p:cNvPr id="53" name="Rectangle 52">
-            <a:extLst>
-              <a:ext uri="{FF2B5EF4-FFF2-40B4-BE49-F238E27FC236}">
-                <a16:creationId xmlns:a16="http://schemas.microsoft.com/office/drawing/2014/main" id="{C9C6D054-A06E-494E-912A-D673CC296801}"/>
-              </a:ext>
-            </a:extLst>
-          </p:cNvPr>
-          <p:cNvSpPr/>
-          <p:nvPr/>
-        </p:nvSpPr>
-        <p:spPr>
-          <a:xfrm>
-            <a:off x="9001760" y="3429000"/>
-            <a:ext cx="1910080" cy="782320"/>
-          </a:xfrm>
-          <a:prstGeom prst="rect">
-            <a:avLst/>
-          </a:prstGeom>
-        </p:spPr>
-        <p:style>
-          <a:lnRef idx="2">
-            <a:schemeClr val="dk1"/>
-          </a:lnRef>
-          <a:fillRef idx="1">
-            <a:schemeClr val="lt1"/>
-          </a:fillRef>
-          <a:effectRef idx="0">
-            <a:schemeClr val="dk1"/>
-          </a:effectRef>
-          <a:fontRef idx="minor">
-            <a:schemeClr val="dk1"/>
-          </a:fontRef>
-        </p:style>
-        <p:txBody>
-          <a:bodyPr rtlCol="0" anchor="ctr"/>
-          <a:lstStyle/>
-          <a:p>
-            <a:pPr algn="ctr"/>
-            <a:r>
-              <a:rPr lang="fr-FR" dirty="0"/>
-              <a:t>Arbre</a:t>
+              <a:t>Ecrit/lit</a:t>
             </a:r>
           </a:p>
         </p:txBody>
